--- a/[MCU] AssignmentProject.pptx
+++ b/[MCU] AssignmentProject.pptx
@@ -159,6 +159,14 @@
 </p:presentation>
 </file>
 
+<file path=ppt/revisionInfo.xml><?xml version="1.0" encoding="utf-8"?>
+<p1510:revInfo xmlns:a="http://schemas.openxmlformats.org/drawingml/2006/main" xmlns:r="http://schemas.openxmlformats.org/officeDocument/2006/relationships" xmlns:p1510="http://schemas.microsoft.com/office/powerpoint/2015/10/main">
+  <p1510:revLst>
+    <p1510:client id="{A4597862-DA1C-47A7-BDC1-13E7FD49096F}" v="2" dt="2022-12-19T17:43:45.348"/>
+  </p1510:revLst>
+</p1510:revInfo>
+</file>
+
 <file path=ppt/handoutMasters/handoutMaster1.xml><?xml version="1.0" encoding="utf-8"?>
 <p:handoutMaster xmlns:a="http://schemas.openxmlformats.org/drawingml/2006/main" xmlns:r="http://schemas.openxmlformats.org/officeDocument/2006/relationships" xmlns:p="http://schemas.openxmlformats.org/presentationml/2006/main">
   <p:cSld>
@@ -241,7 +249,7 @@
           <a:p>
             <a:fld id="{68796EA6-6F25-4F19-87BA-7ADCC16DAEFF}" type="datetimeFigureOut">
               <a:rPr lang="en-US" smtClean="0"/>
-              <a:t>19/12/2022</a:t>
+              <a:t>20/12/2022</a:t>
             </a:fld>
             <a:endParaRPr lang="en-US" dirty="0"/>
           </a:p>
@@ -406,7 +414,7 @@
           <a:p>
             <a:fld id="{C39C172E-A8B5-46F6-B05C-DFA3E2E0F207}" type="datetimeFigureOut">
               <a:rPr lang="en-US" smtClean="0"/>
-              <a:t>19/12/2022</a:t>
+              <a:t>20/12/2022</a:t>
             </a:fld>
             <a:endParaRPr lang="en-US" dirty="0"/>
           </a:p>
@@ -1458,7 +1466,7 @@
           <a:p>
             <a:fld id="{7B7FA170-8299-44AD-AEEF-FC686C3D7804}" type="datetime1">
               <a:rPr lang="en-US" smtClean="0"/>
-              <a:t>19/12/2022</a:t>
+              <a:t>20/12/2022</a:t>
             </a:fld>
             <a:endParaRPr lang="en-US" dirty="0"/>
           </a:p>
@@ -1639,7 +1647,7 @@
           <a:p>
             <a:fld id="{2231763A-68EC-4ECD-9620-D9FE9CDDD622}" type="datetime1">
               <a:rPr lang="en-US" smtClean="0"/>
-              <a:t>19/12/2022</a:t>
+              <a:t>20/12/2022</a:t>
             </a:fld>
             <a:endParaRPr lang="en-US" dirty="0"/>
           </a:p>
@@ -2119,7 +2127,7 @@
           <a:p>
             <a:fld id="{0AAE819F-B7FD-4B29-8F66-9E318144BC2A}" type="datetime1">
               <a:rPr lang="en-US" smtClean="0"/>
-              <a:t>19/12/2022</a:t>
+              <a:t>20/12/2022</a:t>
             </a:fld>
             <a:endParaRPr lang="en-US" dirty="0"/>
           </a:p>
@@ -2351,7 +2359,7 @@
           <a:p>
             <a:fld id="{D4CA159C-B6E0-4F10-9F4A-2FA57003B139}" type="datetime1">
               <a:rPr lang="en-US" smtClean="0"/>
-              <a:t>19/12/2022</a:t>
+              <a:t>20/12/2022</a:t>
             </a:fld>
             <a:endParaRPr lang="en-US" dirty="0"/>
           </a:p>
@@ -2642,7 +2650,7 @@
           <a:p>
             <a:fld id="{8170CBBB-D1D1-4386-A5E9-07F3477B78F3}" type="datetime1">
               <a:rPr lang="en-US" smtClean="0"/>
-              <a:t>19/12/2022</a:t>
+              <a:t>20/12/2022</a:t>
             </a:fld>
             <a:endParaRPr lang="en-US" dirty="0"/>
           </a:p>
@@ -3069,7 +3077,7 @@
           <a:p>
             <a:fld id="{9FA4CAD8-0EA7-4615-B69B-B2F199EF3A93}" type="datetime1">
               <a:rPr lang="en-US" smtClean="0"/>
-              <a:t>19/12/2022</a:t>
+              <a:t>20/12/2022</a:t>
             </a:fld>
             <a:endParaRPr lang="en-US" dirty="0"/>
           </a:p>
@@ -3221,7 +3229,7 @@
           <a:p>
             <a:fld id="{B9234BD7-6953-492C-921B-E68B2D7F14C8}" type="datetime1">
               <a:rPr lang="en-US" smtClean="0"/>
-              <a:t>19/12/2022</a:t>
+              <a:t>20/12/2022</a:t>
             </a:fld>
             <a:endParaRPr lang="en-US" dirty="0"/>
           </a:p>
@@ -3328,7 +3336,7 @@
           <a:p>
             <a:fld id="{35A17D9B-D4D3-4E23-88DF-2E354FA43196}" type="datetime1">
               <a:rPr lang="en-US" smtClean="0"/>
-              <a:t>19/12/2022</a:t>
+              <a:t>20/12/2022</a:t>
             </a:fld>
             <a:endParaRPr lang="en-US" dirty="0"/>
           </a:p>
@@ -3589,7 +3597,7 @@
           <a:p>
             <a:fld id="{541F67C5-D04E-4576-B61C-12ABA14BBD6C}" type="datetime1">
               <a:rPr lang="en-US" smtClean="0"/>
-              <a:t>19/12/2022</a:t>
+              <a:t>20/12/2022</a:t>
             </a:fld>
             <a:endParaRPr lang="en-US" dirty="0"/>
           </a:p>
@@ -4488,7 +4496,7 @@
           <a:p>
             <a:fld id="{C20F09E4-6EA4-4BF3-9FC8-FF40373B88E6}" type="datetime1">
               <a:rPr lang="en-US" smtClean="0"/>
-              <a:t>19/12/2022</a:t>
+              <a:t>20/12/2022</a:t>
             </a:fld>
             <a:endParaRPr lang="en-US" dirty="0"/>
           </a:p>
@@ -6066,7 +6074,91 @@
           <a:bodyPr/>
           <a:lstStyle/>
           <a:p>
-            <a:endParaRPr lang="vi-VN"/>
+            <a:r>
+              <a:rPr lang="en-US"/>
+              <a:t>We use FSM with 5 state:</a:t>
+            </a:r>
+          </a:p>
+          <a:p>
+            <a:pPr lvl="1"/>
+            <a:r>
+              <a:rPr lang="en-US"/>
+              <a:t>Init, red_green1, red_yellow1, red_green2, red_yellow2</a:t>
+            </a:r>
+          </a:p>
+          <a:p>
+            <a:r>
+              <a:rPr lang="en-US"/>
+              <a:t>Function put in main.c</a:t>
+            </a:r>
+          </a:p>
+          <a:p>
+            <a:pPr lvl="1"/>
+            <a:r>
+              <a:rPr lang="vi-VN" b="0" i="0">
+                <a:solidFill>
+                  <a:srgbClr val="24292F"/>
+                </a:solidFill>
+                <a:effectLst/>
+                <a:latin typeface="-apple-system"/>
+              </a:rPr>
+              <a:t>trafficLight_automatic()</a:t>
+            </a:r>
+          </a:p>
+          <a:p>
+            <a:pPr lvl="1"/>
+            <a:r>
+              <a:rPr lang="vi-VN" b="0" i="0">
+                <a:solidFill>
+                  <a:srgbClr val="24292F"/>
+                </a:solidFill>
+                <a:effectLst/>
+                <a:latin typeface="-apple-system"/>
+              </a:rPr>
+              <a:t>trafficLight_change()</a:t>
+            </a:r>
+            <a:endParaRPr lang="vi-VN">
+              <a:solidFill>
+                <a:srgbClr val="24292F"/>
+              </a:solidFill>
+              <a:latin typeface="-apple-system"/>
+            </a:endParaRPr>
+          </a:p>
+          <a:p>
+            <a:pPr lvl="1"/>
+            <a:r>
+              <a:rPr lang="vi-VN" b="0" i="0">
+                <a:solidFill>
+                  <a:srgbClr val="24292F"/>
+                </a:solidFill>
+                <a:effectLst/>
+                <a:latin typeface="-apple-system"/>
+              </a:rPr>
+              <a:t>trafficLight_manual()</a:t>
+            </a:r>
+          </a:p>
+          <a:p>
+            <a:pPr lvl="1"/>
+            <a:r>
+              <a:rPr lang="vi-VN" b="0" i="0">
+                <a:solidFill>
+                  <a:srgbClr val="24292F"/>
+                </a:solidFill>
+                <a:effectLst/>
+                <a:latin typeface="-apple-system"/>
+              </a:rPr>
+              <a:t>trafficLight_pedestrian()</a:t>
+            </a:r>
+          </a:p>
+          <a:p>
+            <a:pPr lvl="1"/>
+            <a:endParaRPr lang="en-US"/>
+          </a:p>
+          <a:p>
+            <a:pPr marL="411470" lvl="1" indent="0">
+              <a:buNone/>
+            </a:pPr>
+            <a:endParaRPr lang="en-US"/>
           </a:p>
         </p:txBody>
       </p:sp>
@@ -6091,6 +6183,10 @@
           <a:bodyPr/>
           <a:lstStyle/>
           <a:p>
+            <a:r>
+              <a:rPr lang="en-US"/>
+              <a:t>Implementation</a:t>
+            </a:r>
             <a:endParaRPr lang="vi-VN"/>
           </a:p>
         </p:txBody>

--- a/[MCU] AssignmentProject.pptx
+++ b/[MCU] AssignmentProject.pptx
@@ -6076,6 +6076,15 @@
           <a:p>
             <a:r>
               <a:rPr lang="en-US"/>
+              <a:t>AUTO MODE</a:t>
+            </a:r>
+          </a:p>
+          <a:p>
+            <a:endParaRPr lang="en-US"/>
+          </a:p>
+          <a:p>
+            <a:r>
+              <a:rPr lang="en-US"/>
               <a:t>We use FSM with 5 state:</a:t>
             </a:r>
           </a:p>
@@ -6185,7 +6194,7 @@
           <a:p>
             <a:r>
               <a:rPr lang="en-US"/>
-              <a:t>Implementation</a:t>
+              <a:t>Function</a:t>
             </a:r>
             <a:endParaRPr lang="vi-VN"/>
           </a:p>
@@ -6254,7 +6263,37 @@
           <a:bodyPr/>
           <a:lstStyle/>
           <a:p>
+            <a:r>
+              <a:rPr lang="vi-VN"/>
+              <a:t>MANUAL MODE</a:t>
+            </a:r>
+          </a:p>
+          <a:p>
             <a:endParaRPr lang="vi-VN"/>
+          </a:p>
+          <a:p>
+            <a:r>
+              <a:rPr lang="vi-VN"/>
+              <a:t>Press ’’SELECT’’ =&gt; MANUAL MODE</a:t>
+            </a:r>
+          </a:p>
+          <a:p>
+            <a:r>
+              <a:rPr lang="vi-VN"/>
+              <a:t>=&gt; Force change traffic light (For policeman use)</a:t>
+            </a:r>
+          </a:p>
+          <a:p>
+            <a:r>
+              <a:rPr lang="vi-VN"/>
+              <a:t>Press ’’MODIFY’’, change the traffic light manually</a:t>
+            </a:r>
+          </a:p>
+          <a:p>
+            <a:r>
+              <a:rPr lang="vi-VN"/>
+              <a:t>Press ’’SET’’, return to AUTO MODE</a:t>
+            </a:r>
           </a:p>
         </p:txBody>
       </p:sp>
@@ -6279,7 +6318,10 @@
           <a:bodyPr/>
           <a:lstStyle/>
           <a:p>
-            <a:endParaRPr lang="vi-VN"/>
+            <a:r>
+              <a:rPr lang="vi-VN"/>
+              <a:t>Function</a:t>
+            </a:r>
           </a:p>
         </p:txBody>
       </p:sp>
@@ -6346,6 +6388,10 @@
           <a:bodyPr/>
           <a:lstStyle/>
           <a:p>
+            <a:r>
+              <a:rPr lang="en-US"/>
+              <a:t>MODIFY TIME MODE</a:t>
+            </a:r>
             <a:endParaRPr lang="vi-VN"/>
           </a:p>
         </p:txBody>
@@ -6371,6 +6417,10 @@
           <a:bodyPr/>
           <a:lstStyle/>
           <a:p>
+            <a:r>
+              <a:rPr lang="en-US"/>
+              <a:t>Function</a:t>
+            </a:r>
             <a:endParaRPr lang="vi-VN"/>
           </a:p>
         </p:txBody>

--- a/[MCU] AssignmentProject.pptx
+++ b/[MCU] AssignmentProject.pptx
@@ -159,15 +159,6 @@
 </p:presentation>
 </file>
 
-<file path=ppt/revisionInfo.xml><?xml version="1.0" encoding="utf-8"?>
-<p1510:revInfo xmlns:a="http://schemas.openxmlformats.org/drawingml/2006/main" xmlns:r="http://schemas.openxmlformats.org/officeDocument/2006/relationships" xmlns:p1510="http://schemas.microsoft.com/office/powerpoint/2015/10/main">
-  <p1510:revLst>
-    <p1510:client id="{6C127B72-A3F8-46AD-BC61-14EA2FFD87FD}" v="22" dt="2022-12-20T04:28:54.266"/>
-    <p1510:client id="{A4597862-DA1C-47A7-BDC1-13E7FD49096F}" v="2" dt="2022-12-19T17:43:45.348"/>
-  </p1510:revLst>
-</p1510:revInfo>
-</file>
-
 <file path=ppt/handoutMasters/handoutMaster1.xml><?xml version="1.0" encoding="utf-8"?>
 <p:handoutMaster xmlns:a="http://schemas.openxmlformats.org/drawingml/2006/main" xmlns:r="http://schemas.openxmlformats.org/officeDocument/2006/relationships" xmlns:p="http://schemas.openxmlformats.org/presentationml/2006/main">
   <p:cSld>
@@ -250,7 +241,7 @@
           <a:p>
             <a:fld id="{68796EA6-6F25-4F19-87BA-7ADCC16DAEFF}" type="datetimeFigureOut">
               <a:rPr lang="en-US" smtClean="0"/>
-              <a:t>20/12/2022</a:t>
+              <a:t>05/01/2023</a:t>
             </a:fld>
             <a:endParaRPr lang="en-US" dirty="0"/>
           </a:p>
@@ -415,7 +406,7 @@
           <a:p>
             <a:fld id="{C39C172E-A8B5-46F6-B05C-DFA3E2E0F207}" type="datetimeFigureOut">
               <a:rPr lang="en-US" smtClean="0"/>
-              <a:t>20/12/2022</a:t>
+              <a:t>05/01/2023</a:t>
             </a:fld>
             <a:endParaRPr lang="en-US" dirty="0"/>
           </a:p>
@@ -1467,7 +1458,7 @@
           <a:p>
             <a:fld id="{7B7FA170-8299-44AD-AEEF-FC686C3D7804}" type="datetime1">
               <a:rPr lang="en-US" smtClean="0"/>
-              <a:t>20/12/2022</a:t>
+              <a:t>05/01/2023</a:t>
             </a:fld>
             <a:endParaRPr lang="en-US" dirty="0"/>
           </a:p>
@@ -1648,7 +1639,7 @@
           <a:p>
             <a:fld id="{2231763A-68EC-4ECD-9620-D9FE9CDDD622}" type="datetime1">
               <a:rPr lang="en-US" smtClean="0"/>
-              <a:t>20/12/2022</a:t>
+              <a:t>05/01/2023</a:t>
             </a:fld>
             <a:endParaRPr lang="en-US" dirty="0"/>
           </a:p>
@@ -2128,7 +2119,7 @@
           <a:p>
             <a:fld id="{0AAE819F-B7FD-4B29-8F66-9E318144BC2A}" type="datetime1">
               <a:rPr lang="en-US" smtClean="0"/>
-              <a:t>20/12/2022</a:t>
+              <a:t>05/01/2023</a:t>
             </a:fld>
             <a:endParaRPr lang="en-US" dirty="0"/>
           </a:p>
@@ -2360,7 +2351,7 @@
           <a:p>
             <a:fld id="{D4CA159C-B6E0-4F10-9F4A-2FA57003B139}" type="datetime1">
               <a:rPr lang="en-US" smtClean="0"/>
-              <a:t>20/12/2022</a:t>
+              <a:t>05/01/2023</a:t>
             </a:fld>
             <a:endParaRPr lang="en-US" dirty="0"/>
           </a:p>
@@ -2651,7 +2642,7 @@
           <a:p>
             <a:fld id="{8170CBBB-D1D1-4386-A5E9-07F3477B78F3}" type="datetime1">
               <a:rPr lang="en-US" smtClean="0"/>
-              <a:t>20/12/2022</a:t>
+              <a:t>05/01/2023</a:t>
             </a:fld>
             <a:endParaRPr lang="en-US" dirty="0"/>
           </a:p>
@@ -3078,7 +3069,7 @@
           <a:p>
             <a:fld id="{9FA4CAD8-0EA7-4615-B69B-B2F199EF3A93}" type="datetime1">
               <a:rPr lang="en-US" smtClean="0"/>
-              <a:t>20/12/2022</a:t>
+              <a:t>05/01/2023</a:t>
             </a:fld>
             <a:endParaRPr lang="en-US" dirty="0"/>
           </a:p>
@@ -3230,7 +3221,7 @@
           <a:p>
             <a:fld id="{B9234BD7-6953-492C-921B-E68B2D7F14C8}" type="datetime1">
               <a:rPr lang="en-US" smtClean="0"/>
-              <a:t>20/12/2022</a:t>
+              <a:t>05/01/2023</a:t>
             </a:fld>
             <a:endParaRPr lang="en-US" dirty="0"/>
           </a:p>
@@ -3337,7 +3328,7 @@
           <a:p>
             <a:fld id="{35A17D9B-D4D3-4E23-88DF-2E354FA43196}" type="datetime1">
               <a:rPr lang="en-US" smtClean="0"/>
-              <a:t>20/12/2022</a:t>
+              <a:t>05/01/2023</a:t>
             </a:fld>
             <a:endParaRPr lang="en-US" dirty="0"/>
           </a:p>
@@ -3598,7 +3589,7 @@
           <a:p>
             <a:fld id="{541F67C5-D04E-4576-B61C-12ABA14BBD6C}" type="datetime1">
               <a:rPr lang="en-US" smtClean="0"/>
-              <a:t>20/12/2022</a:t>
+              <a:t>05/01/2023</a:t>
             </a:fld>
             <a:endParaRPr lang="en-US" dirty="0"/>
           </a:p>
@@ -4497,7 +4488,7 @@
           <a:p>
             <a:fld id="{C20F09E4-6EA4-4BF3-9FC8-FF40373B88E6}" type="datetime1">
               <a:rPr lang="en-US" smtClean="0"/>
-              <a:t>20/12/2022</a:t>
+              <a:t>05/01/2023</a:t>
             </a:fld>
             <a:endParaRPr lang="en-US" dirty="0"/>
           </a:p>
@@ -5964,28 +5955,27 @@
           <a:lstStyle/>
           <a:p>
             <a:r>
-              <a:rPr lang="en-US"/>
+              <a:rPr lang="en-US" dirty="0"/>
               <a:t>Clock: 64MHz</a:t>
             </a:r>
           </a:p>
           <a:p>
             <a:r>
-              <a:rPr lang="en-US"/>
+              <a:rPr lang="en-US" dirty="0"/>
               <a:t>TIM2: PSC = 7999, ARR = 79 =&gt; 100Hz clock</a:t>
             </a:r>
           </a:p>
           <a:p>
             <a:r>
-              <a:rPr lang="en-US"/>
+              <a:rPr lang="en-US" dirty="0"/>
               <a:t>TIM3 - PWM: PSC = 63, ARR = 999 =&gt; 1kHz clock</a:t>
             </a:r>
           </a:p>
           <a:p>
             <a:r>
-              <a:rPr lang="en-US"/>
-              <a:t>USART2, baud rate: 9600</a:t>
-            </a:r>
-            <a:endParaRPr lang="en-US" dirty="0"/>
+              <a:rPr lang="en-US" dirty="0"/>
+              <a:t>USART2, baud rate: 115200</a:t>
+            </a:r>
           </a:p>
         </p:txBody>
       </p:sp>
@@ -6265,36 +6255,60 @@
           <a:lstStyle/>
           <a:p>
             <a:r>
-              <a:rPr lang="vi-VN"/>
+              <a:rPr lang="vi-VN" dirty="0"/>
               <a:t>MANUAL MODE</a:t>
             </a:r>
           </a:p>
           <a:p>
-            <a:endParaRPr lang="vi-VN"/>
-          </a:p>
-          <a:p>
-            <a:r>
-              <a:rPr lang="vi-VN"/>
+            <a:endParaRPr lang="vi-VN" dirty="0"/>
+          </a:p>
+          <a:p>
+            <a:r>
+              <a:rPr lang="vi-VN" dirty="0"/>
               <a:t>Press ’’SELECT’’ =&gt; MANUAL MODE</a:t>
             </a:r>
-          </a:p>
-          <a:p>
-            <a:r>
-              <a:rPr lang="vi-VN"/>
+            <a:r>
+              <a:rPr lang="en-US" dirty="0"/>
+              <a:t> </a:t>
+            </a:r>
+          </a:p>
+          <a:p>
+            <a:pPr lvl="1"/>
+            <a:r>
+              <a:rPr lang="en-US" dirty="0"/>
+              <a:t>(Send “!MANUAL” UART) </a:t>
+            </a:r>
+            <a:endParaRPr lang="vi-VN" dirty="0"/>
+          </a:p>
+          <a:p>
+            <a:r>
+              <a:rPr lang="vi-VN" dirty="0"/>
               <a:t>=&gt; Force change traffic light (For policeman use)</a:t>
             </a:r>
-          </a:p>
-          <a:p>
-            <a:r>
-              <a:rPr lang="vi-VN"/>
+            <a:endParaRPr lang="en-US" dirty="0"/>
+          </a:p>
+          <a:p>
+            <a:pPr marL="109725" indent="0">
+              <a:buNone/>
+            </a:pPr>
+            <a:endParaRPr lang="vi-VN" dirty="0"/>
+          </a:p>
+          <a:p>
+            <a:r>
+              <a:rPr lang="vi-VN" dirty="0"/>
               <a:t>Press ’’MODIFY’’, change the traffic light manually</a:t>
             </a:r>
           </a:p>
           <a:p>
             <a:r>
-              <a:rPr lang="vi-VN"/>
+              <a:rPr lang="vi-VN" dirty="0"/>
               <a:t>Press ’’SET’’, return to AUTO MODE</a:t>
             </a:r>
+            <a:r>
+              <a:rPr lang="en-US" dirty="0"/>
+              <a:t> </a:t>
+            </a:r>
+            <a:endParaRPr lang="vi-VN" dirty="0"/>
           </a:p>
         </p:txBody>
       </p:sp>
@@ -6390,10 +6404,67 @@
           <a:lstStyle/>
           <a:p>
             <a:r>
+              <a:rPr lang="en-US" dirty="0"/>
+              <a:t>MODIFY TIME MODE</a:t>
+            </a:r>
+          </a:p>
+          <a:p>
+            <a:endParaRPr lang="en-US" dirty="0"/>
+          </a:p>
+          <a:p>
+            <a:r>
+              <a:rPr lang="en-US" dirty="0"/>
+              <a:t>Double press ”SELECT” =&gt; MODIFY MODE</a:t>
+            </a:r>
+          </a:p>
+          <a:p>
+            <a:endParaRPr lang="en-US" dirty="0"/>
+          </a:p>
+          <a:p>
+            <a:r>
+              <a:rPr lang="en-US" dirty="0"/>
+              <a:t>Press ”SELECT”  =&gt; Change LED color</a:t>
+            </a:r>
+          </a:p>
+          <a:p>
+            <a:r>
+              <a:rPr lang="en-US" dirty="0"/>
+              <a:t>Press ”MODIFY” =&gt; Increase value by 1</a:t>
+            </a:r>
+          </a:p>
+          <a:p>
+            <a:r>
+              <a:rPr lang="en-US" dirty="0"/>
+              <a:t>Double press ”MODIFY” =&gt; Increase by 10</a:t>
+            </a:r>
+          </a:p>
+          <a:p>
+            <a:r>
+              <a:rPr lang="en-US" dirty="0"/>
+              <a:t>Press ”SET” =&gt; Set value </a:t>
+            </a:r>
+          </a:p>
+          <a:p>
+            <a:pPr lvl="1"/>
+            <a:r>
+              <a:rPr lang="en-US" dirty="0"/>
+              <a:t>wait .. Sec, return Auto Mode</a:t>
+            </a:r>
+          </a:p>
+          <a:p>
+            <a:pPr lvl="1"/>
+            <a:r>
+              <a:rPr lang="en-US" dirty="0"/>
+              <a:t>Continue Modify </a:t>
+            </a:r>
+            <a:r>
               <a:rPr lang="en-US"/>
-              <a:t>MODIFY TIME MODE</a:t>
-            </a:r>
-            <a:endParaRPr lang="vi-VN"/>
+              <a:t>by press ”SELECT” </a:t>
+            </a:r>
+            <a:endParaRPr lang="en-US" dirty="0"/>
+          </a:p>
+          <a:p>
+            <a:endParaRPr lang="vi-VN" dirty="0"/>
           </a:p>
         </p:txBody>
       </p:sp>

--- a/[MCU] AssignmentProject.pptx
+++ b/[MCU] AssignmentProject.pptx
@@ -5,20 +5,23 @@
     <p:sldMasterId id="2147483696" r:id="rId2"/>
   </p:sldMasterIdLst>
   <p:notesMasterIdLst>
-    <p:notesMasterId r:id="rId11"/>
+    <p:notesMasterId r:id="rId14"/>
   </p:notesMasterIdLst>
   <p:handoutMasterIdLst>
-    <p:handoutMasterId r:id="rId12"/>
+    <p:handoutMasterId r:id="rId15"/>
   </p:handoutMasterIdLst>
   <p:sldIdLst>
     <p:sldId id="304" r:id="rId3"/>
     <p:sldId id="305" r:id="rId4"/>
     <p:sldId id="306" r:id="rId5"/>
     <p:sldId id="307" r:id="rId6"/>
-    <p:sldId id="308" r:id="rId7"/>
-    <p:sldId id="309" r:id="rId8"/>
-    <p:sldId id="310" r:id="rId9"/>
-    <p:sldId id="311" r:id="rId10"/>
+    <p:sldId id="312" r:id="rId7"/>
+    <p:sldId id="308" r:id="rId8"/>
+    <p:sldId id="316" r:id="rId9"/>
+    <p:sldId id="309" r:id="rId10"/>
+    <p:sldId id="315" r:id="rId11"/>
+    <p:sldId id="310" r:id="rId12"/>
+    <p:sldId id="311" r:id="rId13"/>
   </p:sldIdLst>
   <p:sldSz cx="9144000" cy="6858000" type="screen4x3"/>
   <p:notesSz cx="7102475" cy="10233025"/>
@@ -157,6 +160,14 @@
     </p:ext>
   </p:extLst>
 </p:presentation>
+</file>
+
+<file path=ppt/revisionInfo.xml><?xml version="1.0" encoding="utf-8"?>
+<p1510:revInfo xmlns:a="http://schemas.openxmlformats.org/drawingml/2006/main" xmlns:r="http://schemas.openxmlformats.org/officeDocument/2006/relationships" xmlns:p1510="http://schemas.microsoft.com/office/powerpoint/2015/10/main">
+  <p1510:revLst>
+    <p1510:client id="{A4597862-DA1C-47A7-BDC1-13E7FD49096F}" v="9" dt="2023-01-05T15:25:27.704"/>
+  </p1510:revLst>
+</p1510:revInfo>
 </file>
 
 <file path=ppt/handoutMasters/handoutMaster1.xml><?xml version="1.0" encoding="utf-8"?>
@@ -5074,6 +5085,354 @@
 </p:sld>
 </file>
 
+<file path=ppt/slides/slide10.xml><?xml version="1.0" encoding="utf-8"?>
+<p:sld xmlns:a="http://schemas.openxmlformats.org/drawingml/2006/main" xmlns:r="http://schemas.openxmlformats.org/officeDocument/2006/relationships" xmlns:p="http://schemas.openxmlformats.org/presentationml/2006/main">
+  <p:cSld>
+    <p:spTree>
+      <p:nvGrpSpPr>
+        <p:cNvPr id="1" name=""/>
+        <p:cNvGrpSpPr/>
+        <p:nvPr/>
+      </p:nvGrpSpPr>
+      <p:grpSpPr>
+        <a:xfrm>
+          <a:off x="0" y="0"/>
+          <a:ext cx="0" cy="0"/>
+          <a:chOff x="0" y="0"/>
+          <a:chExt cx="0" cy="0"/>
+        </a:xfrm>
+      </p:grpSpPr>
+      <p:sp>
+        <p:nvSpPr>
+          <p:cNvPr id="2" name="Content Placeholder 1">
+            <a:extLst>
+              <a:ext uri="{FF2B5EF4-FFF2-40B4-BE49-F238E27FC236}">
+                <a16:creationId xmlns:a16="http://schemas.microsoft.com/office/drawing/2014/main" id="{1B215CCA-4BFC-6F3A-6AC6-1110E98F9DA4}"/>
+              </a:ext>
+            </a:extLst>
+          </p:cNvPr>
+          <p:cNvSpPr>
+            <a:spLocks noGrp="1"/>
+          </p:cNvSpPr>
+          <p:nvPr>
+            <p:ph idx="1"/>
+          </p:nvPr>
+        </p:nvSpPr>
+        <p:spPr/>
+        <p:txBody>
+          <a:bodyPr/>
+          <a:lstStyle/>
+          <a:p>
+            <a:r>
+              <a:rPr lang="en-US" dirty="0"/>
+              <a:t>MODIFY TIME MODE</a:t>
+            </a:r>
+          </a:p>
+          <a:p>
+            <a:endParaRPr lang="en-US" dirty="0"/>
+          </a:p>
+          <a:p>
+            <a:r>
+              <a:rPr lang="en-US"/>
+              <a:t>3s </a:t>
+            </a:r>
+            <a:r>
+              <a:rPr lang="en-US" dirty="0"/>
+              <a:t>press ”SELECT” </a:t>
+            </a:r>
+            <a:r>
+              <a:rPr lang="en-US"/>
+              <a:t>=&gt; (MANUAL) =&gt; MODIFY MODE</a:t>
+            </a:r>
+          </a:p>
+          <a:p>
+            <a:pPr lvl="1"/>
+            <a:r>
+              <a:rPr lang="en-US"/>
+              <a:t>(Send ”!CHANGE#” UART)</a:t>
+            </a:r>
+            <a:endParaRPr lang="en-US" dirty="0"/>
+          </a:p>
+          <a:p>
+            <a:r>
+              <a:rPr lang="en-US" dirty="0"/>
+              <a:t>Press ”SELECT”  =&gt; Change </a:t>
+            </a:r>
+            <a:r>
+              <a:rPr lang="en-US"/>
+              <a:t>LED color</a:t>
+            </a:r>
+          </a:p>
+          <a:p>
+            <a:endParaRPr lang="en-US" dirty="0"/>
+          </a:p>
+          <a:p>
+            <a:r>
+              <a:rPr lang="en-US" dirty="0"/>
+              <a:t>Press ”MODIFY” =&gt; Increase value </a:t>
+            </a:r>
+            <a:r>
+              <a:rPr lang="en-US"/>
+              <a:t>by 1</a:t>
+            </a:r>
+          </a:p>
+          <a:p>
+            <a:endParaRPr lang="en-US" dirty="0"/>
+          </a:p>
+          <a:p>
+            <a:r>
+              <a:rPr lang="en-US"/>
+              <a:t>Long </a:t>
+            </a:r>
+            <a:r>
+              <a:rPr lang="en-US" dirty="0"/>
+              <a:t>press ”MODIFY” =&gt; Increase </a:t>
+            </a:r>
+            <a:r>
+              <a:rPr lang="en-US"/>
+              <a:t>by 10 per 1s holding</a:t>
+            </a:r>
+            <a:endParaRPr lang="en-US" dirty="0"/>
+          </a:p>
+          <a:p>
+            <a:r>
+              <a:rPr lang="en-US" dirty="0"/>
+              <a:t>Press ”SET” =&gt; Set value </a:t>
+            </a:r>
+          </a:p>
+          <a:p>
+            <a:pPr lvl="1"/>
+            <a:r>
+              <a:rPr lang="en-US"/>
+              <a:t>wait 3 </a:t>
+            </a:r>
+            <a:r>
+              <a:rPr lang="en-US" dirty="0"/>
+              <a:t>Sec, return Auto Mode</a:t>
+            </a:r>
+          </a:p>
+          <a:p>
+            <a:pPr lvl="1"/>
+            <a:r>
+              <a:rPr lang="en-US" dirty="0"/>
+              <a:t>Continue Modify </a:t>
+            </a:r>
+            <a:r>
+              <a:rPr lang="en-US"/>
+              <a:t>by press ”SELECT” </a:t>
+            </a:r>
+            <a:endParaRPr lang="en-US" dirty="0"/>
+          </a:p>
+          <a:p>
+            <a:endParaRPr lang="vi-VN" dirty="0"/>
+          </a:p>
+        </p:txBody>
+      </p:sp>
+      <p:sp>
+        <p:nvSpPr>
+          <p:cNvPr id="3" name="Title 2">
+            <a:extLst>
+              <a:ext uri="{FF2B5EF4-FFF2-40B4-BE49-F238E27FC236}">
+                <a16:creationId xmlns:a16="http://schemas.microsoft.com/office/drawing/2014/main" id="{C4C24834-22B9-0D9B-1547-C88FF7006D5A}"/>
+              </a:ext>
+            </a:extLst>
+          </p:cNvPr>
+          <p:cNvSpPr>
+            <a:spLocks noGrp="1"/>
+          </p:cNvSpPr>
+          <p:nvPr>
+            <p:ph type="title"/>
+          </p:nvPr>
+        </p:nvSpPr>
+        <p:spPr/>
+        <p:txBody>
+          <a:bodyPr/>
+          <a:lstStyle/>
+          <a:p>
+            <a:r>
+              <a:rPr lang="en-US"/>
+              <a:t>Function</a:t>
+            </a:r>
+            <a:endParaRPr lang="vi-VN"/>
+          </a:p>
+        </p:txBody>
+      </p:sp>
+    </p:spTree>
+    <p:extLst>
+      <p:ext uri="{BB962C8B-B14F-4D97-AF65-F5344CB8AC3E}">
+        <p14:creationId xmlns:p14="http://schemas.microsoft.com/office/powerpoint/2010/main" val="3973393037"/>
+      </p:ext>
+    </p:extLst>
+  </p:cSld>
+  <p:clrMapOvr>
+    <a:masterClrMapping/>
+  </p:clrMapOvr>
+  <mc:AlternateContent xmlns:mc="http://schemas.openxmlformats.org/markup-compatibility/2006" xmlns:p14="http://schemas.microsoft.com/office/powerpoint/2010/main">
+    <mc:Choice Requires="p14">
+      <p:transition spd="med" p14:dur="700">
+        <p:fade/>
+      </p:transition>
+    </mc:Choice>
+    <mc:Fallback xmlns="">
+      <p:transition spd="med">
+        <p:fade/>
+      </p:transition>
+    </mc:Fallback>
+  </mc:AlternateContent>
+</p:sld>
+</file>
+
+<file path=ppt/slides/slide11.xml><?xml version="1.0" encoding="utf-8"?>
+<p:sld xmlns:a="http://schemas.openxmlformats.org/drawingml/2006/main" xmlns:r="http://schemas.openxmlformats.org/officeDocument/2006/relationships" xmlns:p="http://schemas.openxmlformats.org/presentationml/2006/main">
+  <p:cSld>
+    <p:spTree>
+      <p:nvGrpSpPr>
+        <p:cNvPr id="1" name=""/>
+        <p:cNvGrpSpPr/>
+        <p:nvPr/>
+      </p:nvGrpSpPr>
+      <p:grpSpPr>
+        <a:xfrm>
+          <a:off x="0" y="0"/>
+          <a:ext cx="0" cy="0"/>
+          <a:chOff x="0" y="0"/>
+          <a:chExt cx="0" cy="0"/>
+        </a:xfrm>
+      </p:grpSpPr>
+      <p:sp>
+        <p:nvSpPr>
+          <p:cNvPr id="2" name="Content Placeholder 1">
+            <a:extLst>
+              <a:ext uri="{FF2B5EF4-FFF2-40B4-BE49-F238E27FC236}">
+                <a16:creationId xmlns:a16="http://schemas.microsoft.com/office/drawing/2014/main" id="{49B6FA80-EB52-01EF-729C-1DDBC2306408}"/>
+              </a:ext>
+            </a:extLst>
+          </p:cNvPr>
+          <p:cNvSpPr>
+            <a:spLocks noGrp="1"/>
+          </p:cNvSpPr>
+          <p:nvPr>
+            <p:ph idx="1"/>
+          </p:nvPr>
+        </p:nvSpPr>
+        <p:spPr/>
+        <p:txBody>
+          <a:bodyPr/>
+          <a:lstStyle/>
+          <a:p>
+            <a:r>
+              <a:rPr lang="en-US" dirty="0"/>
+              <a:t>PEDESTRIAN MODE</a:t>
+            </a:r>
+          </a:p>
+          <a:p>
+            <a:endParaRPr lang="en-US" dirty="0"/>
+          </a:p>
+          <a:p>
+            <a:pPr lvl="1"/>
+            <a:r>
+              <a:rPr lang="en-US" dirty="0"/>
+              <a:t>Press pedestrian button, then pedestrian led with turn on the opposite light with one line led.</a:t>
+            </a:r>
+          </a:p>
+          <a:p>
+            <a:pPr lvl="1"/>
+            <a:endParaRPr lang="en-US" dirty="0"/>
+          </a:p>
+          <a:p>
+            <a:pPr lvl="1"/>
+            <a:r>
+              <a:rPr lang="en-US" dirty="0"/>
+              <a:t>When the led turn yellow, buzzer will play the sound to warn pedestrian hurry up!.</a:t>
+            </a:r>
+          </a:p>
+          <a:p>
+            <a:pPr lvl="1"/>
+            <a:endParaRPr lang="en-US" dirty="0"/>
+          </a:p>
+          <a:p>
+            <a:pPr lvl="1"/>
+            <a:r>
+              <a:rPr lang="en-US" dirty="0"/>
+              <a:t>Pedestrian led will turn off in 2 cycle of traffic light. Then, pedestrian button are disable until next light (avoid spam)</a:t>
+            </a:r>
+          </a:p>
+          <a:p>
+            <a:pPr lvl="1"/>
+            <a:endParaRPr lang="en-US" dirty="0"/>
+          </a:p>
+          <a:p>
+            <a:pPr lvl="1"/>
+            <a:r>
+              <a:rPr lang="en-US"/>
+              <a:t>When pedestrian </a:t>
+            </a:r>
+            <a:r>
+              <a:rPr lang="en-US" dirty="0"/>
+              <a:t>led turn “green”, buzzer </a:t>
+            </a:r>
+            <a:r>
+              <a:rPr lang="en-US"/>
+              <a:t>play “music”</a:t>
+            </a:r>
+            <a:endParaRPr lang="en-US" dirty="0"/>
+          </a:p>
+        </p:txBody>
+      </p:sp>
+      <p:sp>
+        <p:nvSpPr>
+          <p:cNvPr id="3" name="Title 2">
+            <a:extLst>
+              <a:ext uri="{FF2B5EF4-FFF2-40B4-BE49-F238E27FC236}">
+                <a16:creationId xmlns:a16="http://schemas.microsoft.com/office/drawing/2014/main" id="{36B3535F-B034-4A35-1A98-AEC89FCE6049}"/>
+              </a:ext>
+            </a:extLst>
+          </p:cNvPr>
+          <p:cNvSpPr>
+            <a:spLocks noGrp="1"/>
+          </p:cNvSpPr>
+          <p:nvPr>
+            <p:ph type="title"/>
+          </p:nvPr>
+        </p:nvSpPr>
+        <p:spPr/>
+        <p:txBody>
+          <a:bodyPr/>
+          <a:lstStyle/>
+          <a:p>
+            <a:r>
+              <a:rPr lang="en-US" dirty="0"/>
+              <a:t>Function</a:t>
+            </a:r>
+            <a:endParaRPr lang="vi-VN" dirty="0"/>
+          </a:p>
+        </p:txBody>
+      </p:sp>
+    </p:spTree>
+    <p:extLst>
+      <p:ext uri="{BB962C8B-B14F-4D97-AF65-F5344CB8AC3E}">
+        <p14:creationId xmlns:p14="http://schemas.microsoft.com/office/powerpoint/2010/main" val="2887067387"/>
+      </p:ext>
+    </p:extLst>
+  </p:cSld>
+  <p:clrMapOvr>
+    <a:masterClrMapping/>
+  </p:clrMapOvr>
+  <mc:AlternateContent xmlns:mc="http://schemas.openxmlformats.org/markup-compatibility/2006" xmlns:p14="http://schemas.microsoft.com/office/powerpoint/2010/main">
+    <mc:Choice Requires="p14">
+      <p:transition spd="med" p14:dur="700">
+        <p:fade/>
+      </p:transition>
+    </mc:Choice>
+    <mc:Fallback xmlns="">
+      <p:transition spd="med">
+        <p:fade/>
+      </p:transition>
+    </mc:Fallback>
+  </mc:AlternateContent>
+</p:sld>
+</file>
+
 <file path=ppt/slides/slide2.xml><?xml version="1.0" encoding="utf-8"?>
 <p:sld xmlns:a="http://schemas.openxmlformats.org/drawingml/2006/main" xmlns:r="http://schemas.openxmlformats.org/officeDocument/2006/relationships" xmlns:p="http://schemas.openxmlformats.org/presentationml/2006/main">
   <p:cSld>
@@ -6046,10 +6405,10 @@
       </p:grpSpPr>
       <p:sp>
         <p:nvSpPr>
-          <p:cNvPr id="2" name="Content Placeholder 1">
+          <p:cNvPr id="3" name="Title 2">
             <a:extLst>
               <a:ext uri="{FF2B5EF4-FFF2-40B4-BE49-F238E27FC236}">
-                <a16:creationId xmlns:a16="http://schemas.microsoft.com/office/drawing/2014/main" id="{8EB1F3E6-2280-897F-B5C3-AB8E52BC20B8}"/>
+                <a16:creationId xmlns:a16="http://schemas.microsoft.com/office/drawing/2014/main" id="{4BB39AAB-9602-6957-F23F-C33E1ED1CA2C}"/>
               </a:ext>
             </a:extLst>
           </p:cNvPr>
@@ -6057,7 +6416,7 @@
             <a:spLocks noGrp="1"/>
           </p:cNvSpPr>
           <p:nvPr>
-            <p:ph idx="1"/>
+            <p:ph type="title"/>
           </p:nvPr>
         </p:nvSpPr>
         <p:spPr/>
@@ -6067,134 +6426,65 @@
           <a:p>
             <a:r>
               <a:rPr lang="en-US"/>
-              <a:t>AUTO MODE</a:t>
-            </a:r>
-          </a:p>
-          <a:p>
-            <a:endParaRPr lang="en-US"/>
-          </a:p>
-          <a:p>
-            <a:r>
-              <a:rPr lang="en-US"/>
-              <a:t>We use FSM with 5 state:</a:t>
-            </a:r>
-          </a:p>
-          <a:p>
-            <a:pPr lvl="1"/>
-            <a:r>
-              <a:rPr lang="en-US"/>
-              <a:t>Init, red_green1, red_yellow1, red_green2, red_yellow2</a:t>
-            </a:r>
-          </a:p>
-          <a:p>
-            <a:r>
-              <a:rPr lang="en-US"/>
-              <a:t>Function put in main.c</a:t>
-            </a:r>
-          </a:p>
-          <a:p>
-            <a:pPr lvl="1"/>
-            <a:r>
-              <a:rPr lang="vi-VN" b="0" i="0">
-                <a:solidFill>
-                  <a:srgbClr val="24292F"/>
-                </a:solidFill>
-                <a:effectLst/>
-                <a:latin typeface="-apple-system"/>
-              </a:rPr>
-              <a:t>trafficLight_automatic()</a:t>
-            </a:r>
-          </a:p>
-          <a:p>
-            <a:pPr lvl="1"/>
-            <a:r>
-              <a:rPr lang="vi-VN" b="0" i="0">
-                <a:solidFill>
-                  <a:srgbClr val="24292F"/>
-                </a:solidFill>
-                <a:effectLst/>
-                <a:latin typeface="-apple-system"/>
-              </a:rPr>
-              <a:t>trafficLight_change()</a:t>
-            </a:r>
-            <a:endParaRPr lang="vi-VN">
-              <a:solidFill>
-                <a:srgbClr val="24292F"/>
-              </a:solidFill>
-              <a:latin typeface="-apple-system"/>
-            </a:endParaRPr>
-          </a:p>
-          <a:p>
-            <a:pPr lvl="1"/>
-            <a:r>
-              <a:rPr lang="vi-VN" b="0" i="0">
-                <a:solidFill>
-                  <a:srgbClr val="24292F"/>
-                </a:solidFill>
-                <a:effectLst/>
-                <a:latin typeface="-apple-system"/>
-              </a:rPr>
-              <a:t>trafficLight_manual()</a:t>
-            </a:r>
-          </a:p>
-          <a:p>
-            <a:pPr lvl="1"/>
-            <a:r>
-              <a:rPr lang="vi-VN" b="0" i="0">
-                <a:solidFill>
-                  <a:srgbClr val="24292F"/>
-                </a:solidFill>
-                <a:effectLst/>
-                <a:latin typeface="-apple-system"/>
-              </a:rPr>
-              <a:t>trafficLight_pedestrian()</a:t>
-            </a:r>
-          </a:p>
-          <a:p>
-            <a:pPr lvl="1"/>
-            <a:endParaRPr lang="en-US"/>
-          </a:p>
-          <a:p>
-            <a:pPr marL="411470" lvl="1" indent="0">
-              <a:buNone/>
-            </a:pPr>
-            <a:endParaRPr lang="en-US"/>
-          </a:p>
-        </p:txBody>
-      </p:sp>
-      <p:sp>
-        <p:nvSpPr>
-          <p:cNvPr id="3" name="Title 2">
+              <a:t>General FSM </a:t>
+            </a:r>
+            <a:endParaRPr lang="vi-VN"/>
+          </a:p>
+        </p:txBody>
+      </p:sp>
+      <p:pic>
+        <p:nvPicPr>
+          <p:cNvPr id="1026" name="Picture 2" descr="Không có mô tả.">
             <a:extLst>
               <a:ext uri="{FF2B5EF4-FFF2-40B4-BE49-F238E27FC236}">
-                <a16:creationId xmlns:a16="http://schemas.microsoft.com/office/drawing/2014/main" id="{5028B04D-6AE3-FE43-14FC-6CD946447491}"/>
+                <a16:creationId xmlns:a16="http://schemas.microsoft.com/office/drawing/2014/main" id="{14D34F33-5BEF-390B-B943-BB723302DA05}"/>
               </a:ext>
             </a:extLst>
           </p:cNvPr>
-          <p:cNvSpPr>
-            <a:spLocks noGrp="1"/>
-          </p:cNvSpPr>
-          <p:nvPr>
-            <p:ph type="title"/>
-          </p:nvPr>
-        </p:nvSpPr>
-        <p:spPr/>
-        <p:txBody>
-          <a:bodyPr/>
-          <a:lstStyle/>
-          <a:p>
-            <a:r>
-              <a:rPr lang="en-US"/>
-              <a:t>Function</a:t>
-            </a:r>
-            <a:endParaRPr lang="vi-VN"/>
-          </a:p>
-        </p:txBody>
-      </p:sp>
+          <p:cNvPicPr>
+            <a:picLocks noGrp="1" noChangeAspect="1" noChangeArrowheads="1"/>
+          </p:cNvPicPr>
+          <p:nvPr>
+            <p:ph idx="1"/>
+          </p:nvPr>
+        </p:nvPicPr>
+        <p:blipFill>
+          <a:blip r:embed="rId2">
+            <a:extLst>
+              <a:ext uri="{28A0092B-C50C-407E-A947-70E740481C1C}">
+                <a14:useLocalDpi xmlns:a14="http://schemas.microsoft.com/office/drawing/2010/main" val="0"/>
+              </a:ext>
+            </a:extLst>
+          </a:blip>
+          <a:srcRect/>
+          <a:stretch>
+            <a:fillRect/>
+          </a:stretch>
+        </p:blipFill>
+        <p:spPr bwMode="auto">
+          <a:xfrm>
+            <a:off x="696488" y="1541928"/>
+            <a:ext cx="7569673" cy="4840891"/>
+          </a:xfrm>
+          <a:prstGeom prst="rect">
+            <a:avLst/>
+          </a:prstGeom>
+          <a:noFill/>
+          <a:extLst>
+            <a:ext uri="{909E8E84-426E-40DD-AFC4-6F175D3DCCD1}">
+              <a14:hiddenFill xmlns:a14="http://schemas.microsoft.com/office/drawing/2010/main">
+                <a:solidFill>
+                  <a:srgbClr val="FFFFFF"/>
+                </a:solidFill>
+              </a14:hiddenFill>
+            </a:ext>
+          </a:extLst>
+        </p:spPr>
+      </p:pic>
     </p:spTree>
     <p:extLst>
       <p:ext uri="{BB962C8B-B14F-4D97-AF65-F5344CB8AC3E}">
-        <p14:creationId xmlns:p14="http://schemas.microsoft.com/office/powerpoint/2010/main" val="3408294076"/>
+        <p14:creationId xmlns:p14="http://schemas.microsoft.com/office/powerpoint/2010/main" val="1582808019"/>
       </p:ext>
     </p:extLst>
   </p:cSld>
@@ -6238,7 +6528,7 @@
           <p:cNvPr id="2" name="Content Placeholder 1">
             <a:extLst>
               <a:ext uri="{FF2B5EF4-FFF2-40B4-BE49-F238E27FC236}">
-                <a16:creationId xmlns:a16="http://schemas.microsoft.com/office/drawing/2014/main" id="{ADCD4C9E-60AF-2F06-C369-F78BFCFE98CA}"/>
+                <a16:creationId xmlns:a16="http://schemas.microsoft.com/office/drawing/2014/main" id="{8EB1F3E6-2280-897F-B5C3-AB8E52BC20B8}"/>
               </a:ext>
             </a:extLst>
           </p:cNvPr>
@@ -6255,60 +6545,107 @@
           <a:lstStyle/>
           <a:p>
             <a:r>
-              <a:rPr lang="vi-VN" dirty="0"/>
-              <a:t>MANUAL MODE</a:t>
-            </a:r>
-          </a:p>
-          <a:p>
-            <a:endParaRPr lang="vi-VN" dirty="0"/>
-          </a:p>
-          <a:p>
-            <a:r>
-              <a:rPr lang="vi-VN" dirty="0"/>
-              <a:t>Press ’’SELECT’’ =&gt; MANUAL MODE</a:t>
-            </a:r>
-            <a:r>
-              <a:rPr lang="en-US" dirty="0"/>
-              <a:t> </a:t>
+              <a:rPr lang="en-US"/>
+              <a:t>AUTO MODE</a:t>
             </a:r>
           </a:p>
           <a:p>
             <a:pPr lvl="1"/>
             <a:r>
-              <a:rPr lang="en-US" dirty="0"/>
-              <a:t>(Send “!MANUAL” UART) </a:t>
-            </a:r>
-            <a:endParaRPr lang="vi-VN" dirty="0"/>
-          </a:p>
-          <a:p>
-            <a:r>
-              <a:rPr lang="vi-VN" dirty="0"/>
-              <a:t>=&gt; Force change traffic light (For policeman use)</a:t>
-            </a:r>
-            <a:endParaRPr lang="en-US" dirty="0"/>
-          </a:p>
-          <a:p>
-            <a:pPr marL="109725" indent="0">
+              <a:rPr lang="en-US"/>
+              <a:t>(Send !AUTOMATIC”)</a:t>
+            </a:r>
+          </a:p>
+          <a:p>
+            <a:r>
+              <a:rPr lang="en-US"/>
+              <a:t>We use FSM with 5 state:</a:t>
+            </a:r>
+          </a:p>
+          <a:p>
+            <a:pPr lvl="1"/>
+            <a:r>
+              <a:rPr lang="en-US"/>
+              <a:t>Init, red_green1, red_yellow1, red_green2, red_yellow2</a:t>
+            </a:r>
+          </a:p>
+          <a:p>
+            <a:pPr lvl="1"/>
+            <a:endParaRPr lang="en-US"/>
+          </a:p>
+          <a:p>
+            <a:r>
+              <a:rPr lang="en-US"/>
+              <a:t>Function run inside while(1) in main.c</a:t>
+            </a:r>
+          </a:p>
+          <a:p>
+            <a:pPr lvl="1"/>
+            <a:r>
+              <a:rPr lang="vi-VN" b="0" i="0">
+                <a:solidFill>
+                  <a:srgbClr val="24292F"/>
+                </a:solidFill>
+                <a:effectLst/>
+                <a:latin typeface="-apple-system"/>
+              </a:rPr>
+              <a:t>trafficLight_automatic()</a:t>
+            </a:r>
+          </a:p>
+          <a:p>
+            <a:pPr lvl="1"/>
+            <a:r>
+              <a:rPr lang="vi-VN" b="0" i="0">
+                <a:solidFill>
+                  <a:srgbClr val="24292F"/>
+                </a:solidFill>
+                <a:effectLst/>
+                <a:latin typeface="-apple-system"/>
+              </a:rPr>
+              <a:t>trafficLight_change()</a:t>
+            </a:r>
+            <a:endParaRPr lang="vi-VN">
+              <a:solidFill>
+                <a:srgbClr val="24292F"/>
+              </a:solidFill>
+              <a:latin typeface="-apple-system"/>
+            </a:endParaRPr>
+          </a:p>
+          <a:p>
+            <a:pPr lvl="1"/>
+            <a:r>
+              <a:rPr lang="vi-VN" b="0" i="0">
+                <a:solidFill>
+                  <a:srgbClr val="24292F"/>
+                </a:solidFill>
+                <a:effectLst/>
+                <a:latin typeface="-apple-system"/>
+              </a:rPr>
+              <a:t>trafficLight_manual()</a:t>
+            </a:r>
+          </a:p>
+          <a:p>
+            <a:pPr lvl="1"/>
+            <a:r>
+              <a:rPr lang="vi-VN" b="0" i="0">
+                <a:solidFill>
+                  <a:srgbClr val="24292F"/>
+                </a:solidFill>
+                <a:effectLst/>
+                <a:latin typeface="-apple-system"/>
+              </a:rPr>
+              <a:t>trafficLight_pedestrian()</a:t>
+            </a:r>
+          </a:p>
+          <a:p>
+            <a:pPr lvl="1"/>
+            <a:endParaRPr lang="en-US"/>
+          </a:p>
+          <a:p>
+            <a:pPr marL="411470" lvl="1" indent="0">
               <a:buNone/>
             </a:pPr>
-            <a:endParaRPr lang="vi-VN" dirty="0"/>
-          </a:p>
-          <a:p>
-            <a:r>
-              <a:rPr lang="vi-VN" dirty="0"/>
-              <a:t>Press ’’MODIFY’’, change the traffic light manually</a:t>
-            </a:r>
-          </a:p>
-          <a:p>
-            <a:r>
-              <a:rPr lang="vi-VN" dirty="0"/>
-              <a:t>Press ’’SET’’, return to AUTO MODE</a:t>
-            </a:r>
-            <a:r>
-              <a:rPr lang="en-US" dirty="0"/>
-              <a:t> </a:t>
-            </a:r>
-            <a:endParaRPr lang="vi-VN" dirty="0"/>
+            <a:endParaRPr lang="en-US"/>
           </a:p>
         </p:txBody>
       </p:sp>
@@ -6317,7 +6654,7 @@
           <p:cNvPr id="3" name="Title 2">
             <a:extLst>
               <a:ext uri="{FF2B5EF4-FFF2-40B4-BE49-F238E27FC236}">
-                <a16:creationId xmlns:a16="http://schemas.microsoft.com/office/drawing/2014/main" id="{820AD95F-86AF-5C0D-1391-A6BDA080FA65}"/>
+                <a16:creationId xmlns:a16="http://schemas.microsoft.com/office/drawing/2014/main" id="{5028B04D-6AE3-FE43-14FC-6CD946447491}"/>
               </a:ext>
             </a:extLst>
           </p:cNvPr>
@@ -6334,16 +6671,17 @@
           <a:lstStyle/>
           <a:p>
             <a:r>
-              <a:rPr lang="vi-VN"/>
+              <a:rPr lang="en-US"/>
               <a:t>Function</a:t>
             </a:r>
+            <a:endParaRPr lang="vi-VN"/>
           </a:p>
         </p:txBody>
       </p:sp>
     </p:spTree>
     <p:extLst>
       <p:ext uri="{BB962C8B-B14F-4D97-AF65-F5344CB8AC3E}">
-        <p14:creationId xmlns:p14="http://schemas.microsoft.com/office/powerpoint/2010/main" val="195785868"/>
+        <p14:creationId xmlns:p14="http://schemas.microsoft.com/office/powerpoint/2010/main" val="3408294076"/>
       </p:ext>
     </p:extLst>
   </p:cSld>
@@ -6387,7 +6725,7 @@
           <p:cNvPr id="2" name="Content Placeholder 1">
             <a:extLst>
               <a:ext uri="{FF2B5EF4-FFF2-40B4-BE49-F238E27FC236}">
-                <a16:creationId xmlns:a16="http://schemas.microsoft.com/office/drawing/2014/main" id="{1B215CCA-4BFC-6F3A-6AC6-1110E98F9DA4}"/>
+                <a16:creationId xmlns:a16="http://schemas.microsoft.com/office/drawing/2014/main" id="{3DD3DA59-83C9-4EE7-C3AD-CE042220AA10}"/>
               </a:ext>
             </a:extLst>
           </p:cNvPr>
@@ -6403,68 +6741,7 @@
           <a:bodyPr/>
           <a:lstStyle/>
           <a:p>
-            <a:r>
-              <a:rPr lang="en-US" dirty="0"/>
-              <a:t>MODIFY TIME MODE</a:t>
-            </a:r>
-          </a:p>
-          <a:p>
-            <a:endParaRPr lang="en-US" dirty="0"/>
-          </a:p>
-          <a:p>
-            <a:r>
-              <a:rPr lang="en-US" dirty="0"/>
-              <a:t>Double press ”SELECT” =&gt; MODIFY MODE</a:t>
-            </a:r>
-          </a:p>
-          <a:p>
-            <a:endParaRPr lang="en-US" dirty="0"/>
-          </a:p>
-          <a:p>
-            <a:r>
-              <a:rPr lang="en-US" dirty="0"/>
-              <a:t>Press ”SELECT”  =&gt; Change LED color</a:t>
-            </a:r>
-          </a:p>
-          <a:p>
-            <a:r>
-              <a:rPr lang="en-US" dirty="0"/>
-              <a:t>Press ”MODIFY” =&gt; Increase value by 1</a:t>
-            </a:r>
-          </a:p>
-          <a:p>
-            <a:r>
-              <a:rPr lang="en-US" dirty="0"/>
-              <a:t>Double press ”MODIFY” =&gt; Increase by 10</a:t>
-            </a:r>
-          </a:p>
-          <a:p>
-            <a:r>
-              <a:rPr lang="en-US" dirty="0"/>
-              <a:t>Press ”SET” =&gt; Set value </a:t>
-            </a:r>
-          </a:p>
-          <a:p>
-            <a:pPr lvl="1"/>
-            <a:r>
-              <a:rPr lang="en-US" dirty="0"/>
-              <a:t>wait .. Sec, return Auto Mode</a:t>
-            </a:r>
-          </a:p>
-          <a:p>
-            <a:pPr lvl="1"/>
-            <a:r>
-              <a:rPr lang="en-US" dirty="0"/>
-              <a:t>Continue Modify </a:t>
-            </a:r>
-            <a:r>
-              <a:rPr lang="en-US"/>
-              <a:t>by press ”SELECT” </a:t>
-            </a:r>
-            <a:endParaRPr lang="en-US" dirty="0"/>
-          </a:p>
-          <a:p>
-            <a:endParaRPr lang="vi-VN" dirty="0"/>
+            <a:endParaRPr lang="vi-VN"/>
           </a:p>
         </p:txBody>
       </p:sp>
@@ -6473,7 +6750,7 @@
           <p:cNvPr id="3" name="Title 2">
             <a:extLst>
               <a:ext uri="{FF2B5EF4-FFF2-40B4-BE49-F238E27FC236}">
-                <a16:creationId xmlns:a16="http://schemas.microsoft.com/office/drawing/2014/main" id="{C4C24834-22B9-0D9B-1547-C88FF7006D5A}"/>
+                <a16:creationId xmlns:a16="http://schemas.microsoft.com/office/drawing/2014/main" id="{AB8D832C-5DC9-5370-ACC5-F8FF4A3B6110}"/>
               </a:ext>
             </a:extLst>
           </p:cNvPr>
@@ -6489,18 +6766,61 @@
           <a:bodyPr/>
           <a:lstStyle/>
           <a:p>
-            <a:r>
-              <a:rPr lang="en-US"/>
-              <a:t>Function</a:t>
-            </a:r>
             <a:endParaRPr lang="vi-VN"/>
           </a:p>
         </p:txBody>
       </p:sp>
+      <p:pic>
+        <p:nvPicPr>
+          <p:cNvPr id="3074" name="Picture 2" descr="Không có mô tả.">
+            <a:extLst>
+              <a:ext uri="{FF2B5EF4-FFF2-40B4-BE49-F238E27FC236}">
+                <a16:creationId xmlns:a16="http://schemas.microsoft.com/office/drawing/2014/main" id="{25E1D8FF-1E4D-28AE-9735-4EB7EF2B2B02}"/>
+              </a:ext>
+            </a:extLst>
+          </p:cNvPr>
+          <p:cNvPicPr>
+            <a:picLocks noChangeAspect="1" noChangeArrowheads="1"/>
+          </p:cNvPicPr>
+          <p:nvPr/>
+        </p:nvPicPr>
+        <p:blipFill>
+          <a:blip r:embed="rId2">
+            <a:extLst>
+              <a:ext uri="{28A0092B-C50C-407E-A947-70E740481C1C}">
+                <a14:useLocalDpi xmlns:a14="http://schemas.microsoft.com/office/drawing/2010/main" val="0"/>
+              </a:ext>
+            </a:extLst>
+          </a:blip>
+          <a:srcRect/>
+          <a:stretch>
+            <a:fillRect/>
+          </a:stretch>
+        </p:blipFill>
+        <p:spPr bwMode="auto">
+          <a:xfrm>
+            <a:off x="-115457" y="2362480"/>
+            <a:ext cx="9318192" cy="2899802"/>
+          </a:xfrm>
+          <a:prstGeom prst="rect">
+            <a:avLst/>
+          </a:prstGeom>
+          <a:noFill/>
+          <a:extLst>
+            <a:ext uri="{909E8E84-426E-40DD-AFC4-6F175D3DCCD1}">
+              <a14:hiddenFill xmlns:a14="http://schemas.microsoft.com/office/drawing/2010/main">
+                <a:solidFill>
+                  <a:srgbClr val="FFFFFF"/>
+                </a:solidFill>
+              </a14:hiddenFill>
+            </a:ext>
+          </a:extLst>
+        </p:spPr>
+      </p:pic>
     </p:spTree>
     <p:extLst>
       <p:ext uri="{BB962C8B-B14F-4D97-AF65-F5344CB8AC3E}">
-        <p14:creationId xmlns:p14="http://schemas.microsoft.com/office/powerpoint/2010/main" val="3973393037"/>
+        <p14:creationId xmlns:p14="http://schemas.microsoft.com/office/powerpoint/2010/main" val="2255152064"/>
       </p:ext>
     </p:extLst>
   </p:cSld>
@@ -6544,7 +6864,7 @@
           <p:cNvPr id="2" name="Content Placeholder 1">
             <a:extLst>
               <a:ext uri="{FF2B5EF4-FFF2-40B4-BE49-F238E27FC236}">
-                <a16:creationId xmlns:a16="http://schemas.microsoft.com/office/drawing/2014/main" id="{49B6FA80-EB52-01EF-729C-1DDBC2306408}"/>
+                <a16:creationId xmlns:a16="http://schemas.microsoft.com/office/drawing/2014/main" id="{ADCD4C9E-60AF-2F06-C369-F78BFCFE98CA}"/>
               </a:ext>
             </a:extLst>
           </p:cNvPr>
@@ -6561,56 +6881,74 @@
           <a:lstStyle/>
           <a:p>
             <a:r>
+              <a:rPr lang="vi-VN"/>
+              <a:t>MANUAL MODE</a:t>
+            </a:r>
+          </a:p>
+          <a:p>
+            <a:pPr marL="109725" indent="0">
+              <a:buNone/>
+            </a:pPr>
+            <a:endParaRPr lang="vi-VN"/>
+          </a:p>
+          <a:p>
+            <a:r>
+              <a:rPr lang="vi-VN"/>
+              <a:t>Press </a:t>
+            </a:r>
+            <a:r>
+              <a:rPr lang="vi-VN" dirty="0"/>
+              <a:t>’’SELECT’’ =&gt; MANUAL MODE</a:t>
+            </a:r>
+            <a:r>
               <a:rPr lang="en-US" dirty="0"/>
-              <a:t>PEDESTRIAN MODE</a:t>
-            </a:r>
-          </a:p>
-          <a:p>
+              <a:t> </a:t>
+            </a:r>
+          </a:p>
+          <a:p>
+            <a:pPr lvl="1"/>
+            <a:r>
+              <a:rPr lang="en-US" dirty="0"/>
+              <a:t>(Send “!MANUAL” UART) </a:t>
+            </a:r>
+            <a:endParaRPr lang="vi-VN" dirty="0"/>
+          </a:p>
+          <a:p>
+            <a:r>
+              <a:rPr lang="vi-VN" dirty="0"/>
+              <a:t>=&gt; Force change traffic light (For policeman use)</a:t>
+            </a:r>
             <a:endParaRPr lang="en-US" dirty="0"/>
           </a:p>
           <a:p>
-            <a:pPr lvl="1"/>
+            <a:pPr marL="109725" indent="0">
+              <a:buNone/>
+            </a:pPr>
+            <a:endParaRPr lang="vi-VN" dirty="0"/>
+          </a:p>
+          <a:p>
+            <a:r>
+              <a:rPr lang="vi-VN" dirty="0"/>
+              <a:t>Press ’’MODIFY’’, change the traffic </a:t>
+            </a:r>
+            <a:r>
+              <a:rPr lang="vi-VN"/>
+              <a:t>light manually</a:t>
+            </a:r>
+          </a:p>
+          <a:p>
+            <a:endParaRPr lang="vi-VN" dirty="0"/>
+          </a:p>
+          <a:p>
+            <a:r>
+              <a:rPr lang="vi-VN" dirty="0"/>
+              <a:t>Press ’’SET’’, return to AUTO MODE</a:t>
+            </a:r>
             <a:r>
               <a:rPr lang="en-US" dirty="0"/>
-              <a:t>Press pedestrian button, then pedestrian led with turn on the opposite light with one line led.</a:t>
-            </a:r>
-          </a:p>
-          <a:p>
-            <a:pPr lvl="1"/>
-            <a:endParaRPr lang="en-US" dirty="0"/>
-          </a:p>
-          <a:p>
-            <a:pPr lvl="1"/>
-            <a:r>
-              <a:rPr lang="en-US" dirty="0"/>
-              <a:t>When the led turn yellow, buzzer will play the sound to warn pedestrian hurry up!.</a:t>
-            </a:r>
-          </a:p>
-          <a:p>
-            <a:pPr lvl="1"/>
-            <a:endParaRPr lang="en-US" dirty="0"/>
-          </a:p>
-          <a:p>
-            <a:pPr lvl="1"/>
-            <a:r>
-              <a:rPr lang="en-US" dirty="0"/>
-              <a:t>Pedestrian led will turn off in 2 cycle of traffic light. Then, pedestrian button are disable until next light (avoid spam)</a:t>
-            </a:r>
-          </a:p>
-          <a:p>
-            <a:pPr lvl="1"/>
-            <a:endParaRPr lang="en-US" dirty="0"/>
-          </a:p>
-          <a:p>
-            <a:pPr lvl="1"/>
-            <a:r>
-              <a:rPr lang="en-US"/>
-              <a:t>When pedestrian </a:t>
-            </a:r>
-            <a:r>
-              <a:rPr lang="en-US" dirty="0"/>
-              <a:t>led turn “green”, buzzer play “ping pong”</a:t>
-            </a:r>
+              <a:t> </a:t>
+            </a:r>
+            <a:endParaRPr lang="vi-VN" dirty="0"/>
           </a:p>
         </p:txBody>
       </p:sp>
@@ -6619,7 +6957,7 @@
           <p:cNvPr id="3" name="Title 2">
             <a:extLst>
               <a:ext uri="{FF2B5EF4-FFF2-40B4-BE49-F238E27FC236}">
-                <a16:creationId xmlns:a16="http://schemas.microsoft.com/office/drawing/2014/main" id="{36B3535F-B034-4A35-1A98-AEC89FCE6049}"/>
+                <a16:creationId xmlns:a16="http://schemas.microsoft.com/office/drawing/2014/main" id="{820AD95F-86AF-5C0D-1391-A6BDA080FA65}"/>
               </a:ext>
             </a:extLst>
           </p:cNvPr>
@@ -6636,17 +6974,130 @@
           <a:lstStyle/>
           <a:p>
             <a:r>
-              <a:rPr lang="en-US" dirty="0"/>
+              <a:rPr lang="vi-VN"/>
               <a:t>Function</a:t>
             </a:r>
-            <a:endParaRPr lang="vi-VN" dirty="0"/>
           </a:p>
         </p:txBody>
       </p:sp>
     </p:spTree>
     <p:extLst>
       <p:ext uri="{BB962C8B-B14F-4D97-AF65-F5344CB8AC3E}">
-        <p14:creationId xmlns:p14="http://schemas.microsoft.com/office/powerpoint/2010/main" val="2887067387"/>
+        <p14:creationId xmlns:p14="http://schemas.microsoft.com/office/powerpoint/2010/main" val="195785868"/>
+      </p:ext>
+    </p:extLst>
+  </p:cSld>
+  <p:clrMapOvr>
+    <a:masterClrMapping/>
+  </p:clrMapOvr>
+  <mc:AlternateContent xmlns:mc="http://schemas.openxmlformats.org/markup-compatibility/2006" xmlns:p14="http://schemas.microsoft.com/office/powerpoint/2010/main">
+    <mc:Choice Requires="p14">
+      <p:transition spd="med" p14:dur="700">
+        <p:fade/>
+      </p:transition>
+    </mc:Choice>
+    <mc:Fallback xmlns="">
+      <p:transition spd="med">
+        <p:fade/>
+      </p:transition>
+    </mc:Fallback>
+  </mc:AlternateContent>
+</p:sld>
+</file>
+
+<file path=ppt/slides/slide9.xml><?xml version="1.0" encoding="utf-8"?>
+<p:sld xmlns:a="http://schemas.openxmlformats.org/drawingml/2006/main" xmlns:r="http://schemas.openxmlformats.org/officeDocument/2006/relationships" xmlns:p="http://schemas.openxmlformats.org/presentationml/2006/main">
+  <p:cSld>
+    <p:spTree>
+      <p:nvGrpSpPr>
+        <p:cNvPr id="1" name=""/>
+        <p:cNvGrpSpPr/>
+        <p:nvPr/>
+      </p:nvGrpSpPr>
+      <p:grpSpPr>
+        <a:xfrm>
+          <a:off x="0" y="0"/>
+          <a:ext cx="0" cy="0"/>
+          <a:chOff x="0" y="0"/>
+          <a:chExt cx="0" cy="0"/>
+        </a:xfrm>
+      </p:grpSpPr>
+      <p:sp>
+        <p:nvSpPr>
+          <p:cNvPr id="3" name="Title 2">
+            <a:extLst>
+              <a:ext uri="{FF2B5EF4-FFF2-40B4-BE49-F238E27FC236}">
+                <a16:creationId xmlns:a16="http://schemas.microsoft.com/office/drawing/2014/main" id="{B2C28BDB-6E83-C72E-07D9-84E45618F23D}"/>
+              </a:ext>
+            </a:extLst>
+          </p:cNvPr>
+          <p:cNvSpPr>
+            <a:spLocks noGrp="1"/>
+          </p:cNvSpPr>
+          <p:nvPr>
+            <p:ph type="title"/>
+          </p:nvPr>
+        </p:nvSpPr>
+        <p:spPr/>
+        <p:txBody>
+          <a:bodyPr/>
+          <a:lstStyle/>
+          <a:p>
+            <a:endParaRPr lang="vi-VN"/>
+          </a:p>
+        </p:txBody>
+      </p:sp>
+      <p:pic>
+        <p:nvPicPr>
+          <p:cNvPr id="2050" name="Picture 2" descr="Không có mô tả.">
+            <a:extLst>
+              <a:ext uri="{FF2B5EF4-FFF2-40B4-BE49-F238E27FC236}">
+                <a16:creationId xmlns:a16="http://schemas.microsoft.com/office/drawing/2014/main" id="{42F9EC8C-2750-BBAC-9D2A-5A8C0274B54D}"/>
+              </a:ext>
+            </a:extLst>
+          </p:cNvPr>
+          <p:cNvPicPr>
+            <a:picLocks noChangeAspect="1" noChangeArrowheads="1"/>
+          </p:cNvPicPr>
+          <p:nvPr/>
+        </p:nvPicPr>
+        <p:blipFill>
+          <a:blip r:embed="rId2">
+            <a:extLst>
+              <a:ext uri="{28A0092B-C50C-407E-A947-70E740481C1C}">
+                <a14:useLocalDpi xmlns:a14="http://schemas.microsoft.com/office/drawing/2010/main" val="0"/>
+              </a:ext>
+            </a:extLst>
+          </a:blip>
+          <a:srcRect/>
+          <a:stretch>
+            <a:fillRect/>
+          </a:stretch>
+        </p:blipFill>
+        <p:spPr bwMode="auto">
+          <a:xfrm>
+            <a:off x="407595" y="1224794"/>
+            <a:ext cx="8440996" cy="4467793"/>
+          </a:xfrm>
+          <a:prstGeom prst="rect">
+            <a:avLst/>
+          </a:prstGeom>
+          <a:noFill/>
+          <a:extLst>
+            <a:ext uri="{909E8E84-426E-40DD-AFC4-6F175D3DCCD1}">
+              <a14:hiddenFill xmlns:a14="http://schemas.microsoft.com/office/drawing/2010/main">
+                <a:solidFill>
+                  <a:srgbClr val="FFFFFF"/>
+                </a:solidFill>
+              </a14:hiddenFill>
+            </a:ext>
+          </a:extLst>
+        </p:spPr>
+      </p:pic>
+    </p:spTree>
+    <p:extLst>
+      <p:ext uri="{BB962C8B-B14F-4D97-AF65-F5344CB8AC3E}">
+        <p14:creationId xmlns:p14="http://schemas.microsoft.com/office/powerpoint/2010/main" val="3250780586"/>
       </p:ext>
     </p:extLst>
   </p:cSld>

--- a/[MCU] AssignmentProject.pptx
+++ b/[MCU] AssignmentProject.pptx
@@ -165,7 +165,7 @@
 <file path=ppt/revisionInfo.xml><?xml version="1.0" encoding="utf-8"?>
 <p1510:revInfo xmlns:a="http://schemas.openxmlformats.org/drawingml/2006/main" xmlns:r="http://schemas.openxmlformats.org/officeDocument/2006/relationships" xmlns:p1510="http://schemas.microsoft.com/office/powerpoint/2015/10/main">
   <p1510:revLst>
-    <p1510:client id="{A4597862-DA1C-47A7-BDC1-13E7FD49096F}" v="9" dt="2023-01-05T15:25:27.704"/>
+    <p1510:client id="{A4597862-DA1C-47A7-BDC1-13E7FD49096F}" v="10" dt="2023-01-06T09:37:22.271"/>
   </p1510:revLst>
 </p1510:revInfo>
 </file>
@@ -252,7 +252,7 @@
           <a:p>
             <a:fld id="{68796EA6-6F25-4F19-87BA-7ADCC16DAEFF}" type="datetimeFigureOut">
               <a:rPr lang="en-US" smtClean="0"/>
-              <a:t>05/01/2023</a:t>
+              <a:t>06/01/2023</a:t>
             </a:fld>
             <a:endParaRPr lang="en-US" dirty="0"/>
           </a:p>
@@ -417,7 +417,7 @@
           <a:p>
             <a:fld id="{C39C172E-A8B5-46F6-B05C-DFA3E2E0F207}" type="datetimeFigureOut">
               <a:rPr lang="en-US" smtClean="0"/>
-              <a:t>05/01/2023</a:t>
+              <a:t>06/01/2023</a:t>
             </a:fld>
             <a:endParaRPr lang="en-US" dirty="0"/>
           </a:p>
@@ -1469,7 +1469,7 @@
           <a:p>
             <a:fld id="{7B7FA170-8299-44AD-AEEF-FC686C3D7804}" type="datetime1">
               <a:rPr lang="en-US" smtClean="0"/>
-              <a:t>05/01/2023</a:t>
+              <a:t>06/01/2023</a:t>
             </a:fld>
             <a:endParaRPr lang="en-US" dirty="0"/>
           </a:p>
@@ -1650,7 +1650,7 @@
           <a:p>
             <a:fld id="{2231763A-68EC-4ECD-9620-D9FE9CDDD622}" type="datetime1">
               <a:rPr lang="en-US" smtClean="0"/>
-              <a:t>05/01/2023</a:t>
+              <a:t>06/01/2023</a:t>
             </a:fld>
             <a:endParaRPr lang="en-US" dirty="0"/>
           </a:p>
@@ -2130,7 +2130,7 @@
           <a:p>
             <a:fld id="{0AAE819F-B7FD-4B29-8F66-9E318144BC2A}" type="datetime1">
               <a:rPr lang="en-US" smtClean="0"/>
-              <a:t>05/01/2023</a:t>
+              <a:t>06/01/2023</a:t>
             </a:fld>
             <a:endParaRPr lang="en-US" dirty="0"/>
           </a:p>
@@ -2362,7 +2362,7 @@
           <a:p>
             <a:fld id="{D4CA159C-B6E0-4F10-9F4A-2FA57003B139}" type="datetime1">
               <a:rPr lang="en-US" smtClean="0"/>
-              <a:t>05/01/2023</a:t>
+              <a:t>06/01/2023</a:t>
             </a:fld>
             <a:endParaRPr lang="en-US" dirty="0"/>
           </a:p>
@@ -2653,7 +2653,7 @@
           <a:p>
             <a:fld id="{8170CBBB-D1D1-4386-A5E9-07F3477B78F3}" type="datetime1">
               <a:rPr lang="en-US" smtClean="0"/>
-              <a:t>05/01/2023</a:t>
+              <a:t>06/01/2023</a:t>
             </a:fld>
             <a:endParaRPr lang="en-US" dirty="0"/>
           </a:p>
@@ -3080,7 +3080,7 @@
           <a:p>
             <a:fld id="{9FA4CAD8-0EA7-4615-B69B-B2F199EF3A93}" type="datetime1">
               <a:rPr lang="en-US" smtClean="0"/>
-              <a:t>05/01/2023</a:t>
+              <a:t>06/01/2023</a:t>
             </a:fld>
             <a:endParaRPr lang="en-US" dirty="0"/>
           </a:p>
@@ -3232,7 +3232,7 @@
           <a:p>
             <a:fld id="{B9234BD7-6953-492C-921B-E68B2D7F14C8}" type="datetime1">
               <a:rPr lang="en-US" smtClean="0"/>
-              <a:t>05/01/2023</a:t>
+              <a:t>06/01/2023</a:t>
             </a:fld>
             <a:endParaRPr lang="en-US" dirty="0"/>
           </a:p>
@@ -3339,7 +3339,7 @@
           <a:p>
             <a:fld id="{35A17D9B-D4D3-4E23-88DF-2E354FA43196}" type="datetime1">
               <a:rPr lang="en-US" smtClean="0"/>
-              <a:t>05/01/2023</a:t>
+              <a:t>06/01/2023</a:t>
             </a:fld>
             <a:endParaRPr lang="en-US" dirty="0"/>
           </a:p>
@@ -3600,7 +3600,7 @@
           <a:p>
             <a:fld id="{541F67C5-D04E-4576-B61C-12ABA14BBD6C}" type="datetime1">
               <a:rPr lang="en-US" smtClean="0"/>
-              <a:t>05/01/2023</a:t>
+              <a:t>06/01/2023</a:t>
             </a:fld>
             <a:endParaRPr lang="en-US" dirty="0"/>
           </a:p>
@@ -4499,7 +4499,7 @@
           <a:p>
             <a:fld id="{C20F09E4-6EA4-4BF3-9FC8-FF40373B88E6}" type="datetime1">
               <a:rPr lang="en-US" smtClean="0"/>
-              <a:t>05/01/2023</a:t>
+              <a:t>06/01/2023</a:t>
             </a:fld>
             <a:endParaRPr lang="en-US" dirty="0"/>
           </a:p>
@@ -5120,111 +5120,122 @@
         </p:nvSpPr>
         <p:spPr/>
         <p:txBody>
-          <a:bodyPr/>
-          <a:lstStyle/>
-          <a:p>
-            <a:r>
-              <a:rPr lang="en-US" dirty="0"/>
+          <a:bodyPr>
+            <a:normAutofit/>
+          </a:bodyPr>
+          <a:lstStyle/>
+          <a:p>
+            <a:r>
+              <a:rPr lang="en-US" sz="2000" dirty="0"/>
               <a:t>MODIFY TIME MODE</a:t>
             </a:r>
           </a:p>
           <a:p>
-            <a:endParaRPr lang="en-US" dirty="0"/>
-          </a:p>
-          <a:p>
-            <a:r>
-              <a:rPr lang="en-US"/>
+            <a:endParaRPr lang="en-US" sz="2000" dirty="0"/>
+          </a:p>
+          <a:p>
+            <a:r>
+              <a:rPr lang="en-US" sz="2000"/>
               <a:t>3s </a:t>
             </a:r>
             <a:r>
-              <a:rPr lang="en-US" dirty="0"/>
+              <a:rPr lang="en-US" sz="2000" dirty="0"/>
               <a:t>press ”SELECT” </a:t>
             </a:r>
             <a:r>
-              <a:rPr lang="en-US"/>
+              <a:rPr lang="en-US" sz="2000"/>
               <a:t>=&gt; (MANUAL) =&gt; MODIFY MODE</a:t>
             </a:r>
           </a:p>
           <a:p>
             <a:pPr lvl="1"/>
             <a:r>
-              <a:rPr lang="en-US"/>
+              <a:rPr lang="en-US" sz="1800"/>
               <a:t>(Send ”!CHANGE#” UART)</a:t>
             </a:r>
-            <a:endParaRPr lang="en-US" dirty="0"/>
-          </a:p>
-          <a:p>
-            <a:r>
-              <a:rPr lang="en-US" dirty="0"/>
+            <a:endParaRPr lang="en-US" sz="1800" dirty="0"/>
+          </a:p>
+          <a:p>
+            <a:r>
+              <a:rPr lang="en-US" sz="2000" dirty="0"/>
               <a:t>Press ”SELECT”  =&gt; Change </a:t>
             </a:r>
             <a:r>
-              <a:rPr lang="en-US"/>
+              <a:rPr lang="en-US" sz="2000"/>
               <a:t>LED color</a:t>
             </a:r>
           </a:p>
           <a:p>
-            <a:endParaRPr lang="en-US" dirty="0"/>
-          </a:p>
-          <a:p>
-            <a:r>
-              <a:rPr lang="en-US" dirty="0"/>
+            <a:endParaRPr lang="en-US" sz="2000" dirty="0"/>
+          </a:p>
+          <a:p>
+            <a:r>
+              <a:rPr lang="en-US" sz="2000" dirty="0"/>
               <a:t>Press ”MODIFY” =&gt; Increase value </a:t>
             </a:r>
             <a:r>
-              <a:rPr lang="en-US"/>
+              <a:rPr lang="en-US" sz="2000"/>
               <a:t>by 1</a:t>
             </a:r>
           </a:p>
           <a:p>
-            <a:endParaRPr lang="en-US" dirty="0"/>
-          </a:p>
-          <a:p>
-            <a:r>
-              <a:rPr lang="en-US"/>
+            <a:endParaRPr lang="en-US" sz="2000" dirty="0"/>
+          </a:p>
+          <a:p>
+            <a:r>
+              <a:rPr lang="en-US" sz="2000"/>
               <a:t>Long </a:t>
             </a:r>
             <a:r>
-              <a:rPr lang="en-US" dirty="0"/>
+              <a:rPr lang="en-US" sz="2000" dirty="0"/>
               <a:t>press ”MODIFY” =&gt; Increase </a:t>
             </a:r>
             <a:r>
-              <a:rPr lang="en-US"/>
+              <a:rPr lang="en-US" sz="2000"/>
               <a:t>by 10 per 1s holding</a:t>
             </a:r>
-            <a:endParaRPr lang="en-US" dirty="0"/>
-          </a:p>
-          <a:p>
-            <a:r>
-              <a:rPr lang="en-US" dirty="0"/>
+          </a:p>
+          <a:p>
+            <a:endParaRPr lang="en-US" sz="2000" dirty="0"/>
+          </a:p>
+          <a:p>
+            <a:r>
+              <a:rPr lang="en-US" sz="2000" dirty="0"/>
               <a:t>Press ”SET” =&gt; Set value </a:t>
             </a:r>
           </a:p>
           <a:p>
             <a:pPr lvl="1"/>
             <a:r>
-              <a:rPr lang="en-US"/>
+              <a:rPr lang="en-US" sz="1800"/>
               <a:t>wait 3 </a:t>
             </a:r>
             <a:r>
-              <a:rPr lang="en-US" dirty="0"/>
+              <a:rPr lang="en-US" sz="1800" dirty="0"/>
               <a:t>Sec, return Auto Mode</a:t>
             </a:r>
           </a:p>
           <a:p>
             <a:pPr lvl="1"/>
             <a:r>
-              <a:rPr lang="en-US" dirty="0"/>
+              <a:rPr lang="en-US" sz="1800" dirty="0"/>
               <a:t>Continue Modify </a:t>
             </a:r>
             <a:r>
-              <a:rPr lang="en-US"/>
+              <a:rPr lang="en-US" sz="1800"/>
               <a:t>by press ”SELECT” </a:t>
             </a:r>
-            <a:endParaRPr lang="en-US" dirty="0"/>
-          </a:p>
-          <a:p>
-            <a:endParaRPr lang="vi-VN" dirty="0"/>
+            <a:endParaRPr lang="en-US" sz="1800" dirty="0"/>
+          </a:p>
+          <a:p>
+            <a:endParaRPr lang="en-US" sz="2000"/>
+          </a:p>
+          <a:p>
+            <a:r>
+              <a:rPr lang="en-US" sz="2000"/>
+              <a:t>The value of LED duration would be sync for 2 light.</a:t>
+            </a:r>
+            <a:endParaRPr lang="vi-VN" sz="2000" dirty="0"/>
           </a:p>
         </p:txBody>
       </p:sp>
@@ -6432,53 +6443,59 @@
           </a:p>
         </p:txBody>
       </p:sp>
+      <p:sp>
+        <p:nvSpPr>
+          <p:cNvPr id="2" name="Content Placeholder 1">
+            <a:extLst>
+              <a:ext uri="{FF2B5EF4-FFF2-40B4-BE49-F238E27FC236}">
+                <a16:creationId xmlns:a16="http://schemas.microsoft.com/office/drawing/2014/main" id="{7C16FF6D-3518-3CD0-8143-A34F7969E423}"/>
+              </a:ext>
+            </a:extLst>
+          </p:cNvPr>
+          <p:cNvSpPr>
+            <a:spLocks noGrp="1"/>
+          </p:cNvSpPr>
+          <p:nvPr>
+            <p:ph idx="1"/>
+          </p:nvPr>
+        </p:nvSpPr>
+        <p:spPr/>
+        <p:txBody>
+          <a:bodyPr/>
+          <a:lstStyle/>
+          <a:p>
+            <a:endParaRPr lang="vi-VN"/>
+          </a:p>
+        </p:txBody>
+      </p:sp>
       <p:pic>
         <p:nvPicPr>
-          <p:cNvPr id="1026" name="Picture 2" descr="Không có mô tả.">
+          <p:cNvPr id="5" name="Picture 4">
             <a:extLst>
               <a:ext uri="{FF2B5EF4-FFF2-40B4-BE49-F238E27FC236}">
-                <a16:creationId xmlns:a16="http://schemas.microsoft.com/office/drawing/2014/main" id="{14D34F33-5BEF-390B-B943-BB723302DA05}"/>
+                <a16:creationId xmlns:a16="http://schemas.microsoft.com/office/drawing/2014/main" id="{6EF33917-086F-39B5-7549-E027D3860379}"/>
               </a:ext>
             </a:extLst>
           </p:cNvPr>
           <p:cNvPicPr>
-            <a:picLocks noGrp="1" noChangeAspect="1" noChangeArrowheads="1"/>
+            <a:picLocks noChangeAspect="1"/>
           </p:cNvPicPr>
-          <p:nvPr>
-            <p:ph idx="1"/>
-          </p:nvPr>
+          <p:nvPr/>
         </p:nvPicPr>
         <p:blipFill>
-          <a:blip r:embed="rId2">
-            <a:extLst>
-              <a:ext uri="{28A0092B-C50C-407E-A947-70E740481C1C}">
-                <a14:useLocalDpi xmlns:a14="http://schemas.microsoft.com/office/drawing/2010/main" val="0"/>
-              </a:ext>
-            </a:extLst>
-          </a:blip>
-          <a:srcRect/>
+          <a:blip r:embed="rId2"/>
           <a:stretch>
             <a:fillRect/>
           </a:stretch>
         </p:blipFill>
-        <p:spPr bwMode="auto">
+        <p:spPr>
           <a:xfrm>
-            <a:off x="696488" y="1541928"/>
-            <a:ext cx="7569673" cy="4840891"/>
+            <a:off x="406848" y="1434550"/>
+            <a:ext cx="7983064" cy="5134692"/>
           </a:xfrm>
           <a:prstGeom prst="rect">
             <a:avLst/>
           </a:prstGeom>
-          <a:noFill/>
-          <a:extLst>
-            <a:ext uri="{909E8E84-426E-40DD-AFC4-6F175D3DCCD1}">
-              <a14:hiddenFill xmlns:a14="http://schemas.microsoft.com/office/drawing/2010/main">
-                <a:solidFill>
-                  <a:srgbClr val="FFFFFF"/>
-                </a:solidFill>
-              </a14:hiddenFill>
-            </a:ext>
-          </a:extLst>
         </p:spPr>
       </p:pic>
     </p:spTree>
@@ -6942,13 +6959,19 @@
           <a:p>
             <a:r>
               <a:rPr lang="vi-VN" dirty="0"/>
-              <a:t>Press ’’SET’’, return to AUTO MODE</a:t>
-            </a:r>
-            <a:r>
-              <a:rPr lang="en-US" dirty="0"/>
+              <a:t>Press ’’SET’’, return to AUTO </a:t>
+            </a:r>
+            <a:r>
+              <a:rPr lang="vi-VN"/>
+              <a:t>MODE</a:t>
+            </a:r>
+            <a:r>
+              <a:rPr lang="en-US"/>
               <a:t> </a:t>
             </a:r>
-            <a:endParaRPr lang="vi-VN" dirty="0"/>
+          </a:p>
+          <a:p>
+            <a:endParaRPr lang="en-US"/>
           </a:p>
         </p:txBody>
       </p:sp>
